--- a/135/slides/ch04/asterisk_pattern.pptx
+++ b/135/slides/ch04/asterisk_pattern.pptx
@@ -340,7 +340,7 @@
           <a:p>
             <a:fld id="{19E9E886-6F55-450D-A77B-212FA97E9897}" type="datetimeFigureOut">
               <a:rPr lang="en-US" smtClean="0"/>
-              <a:t>9/20/20</a:t>
+              <a:t>2/13/22</a:t>
             </a:fld>
             <a:endParaRPr lang="en-US"/>
           </a:p>
@@ -508,7 +508,7 @@
           <a:p>
             <a:fld id="{19E9E886-6F55-450D-A77B-212FA97E9897}" type="datetimeFigureOut">
               <a:rPr lang="en-US" smtClean="0"/>
-              <a:t>9/20/20</a:t>
+              <a:t>2/13/22</a:t>
             </a:fld>
             <a:endParaRPr lang="en-US"/>
           </a:p>
@@ -686,7 +686,7 @@
           <a:p>
             <a:fld id="{19E9E886-6F55-450D-A77B-212FA97E9897}" type="datetimeFigureOut">
               <a:rPr lang="en-US" smtClean="0"/>
-              <a:t>9/20/20</a:t>
+              <a:t>2/13/22</a:t>
             </a:fld>
             <a:endParaRPr lang="en-US"/>
           </a:p>
@@ -854,7 +854,7 @@
           <a:p>
             <a:fld id="{19E9E886-6F55-450D-A77B-212FA97E9897}" type="datetimeFigureOut">
               <a:rPr lang="en-US" smtClean="0"/>
-              <a:t>9/20/20</a:t>
+              <a:t>2/13/22</a:t>
             </a:fld>
             <a:endParaRPr lang="en-US"/>
           </a:p>
@@ -1099,7 +1099,7 @@
           <a:p>
             <a:fld id="{19E9E886-6F55-450D-A77B-212FA97E9897}" type="datetimeFigureOut">
               <a:rPr lang="en-US" smtClean="0"/>
-              <a:t>9/20/20</a:t>
+              <a:t>2/13/22</a:t>
             </a:fld>
             <a:endParaRPr lang="en-US"/>
           </a:p>
@@ -1384,7 +1384,7 @@
           <a:p>
             <a:fld id="{19E9E886-6F55-450D-A77B-212FA97E9897}" type="datetimeFigureOut">
               <a:rPr lang="en-US" smtClean="0"/>
-              <a:t>9/20/20</a:t>
+              <a:t>2/13/22</a:t>
             </a:fld>
             <a:endParaRPr lang="en-US"/>
           </a:p>
@@ -1803,7 +1803,7 @@
           <a:p>
             <a:fld id="{19E9E886-6F55-450D-A77B-212FA97E9897}" type="datetimeFigureOut">
               <a:rPr lang="en-US" smtClean="0"/>
-              <a:t>9/20/20</a:t>
+              <a:t>2/13/22</a:t>
             </a:fld>
             <a:endParaRPr lang="en-US"/>
           </a:p>
@@ -1920,7 +1920,7 @@
           <a:p>
             <a:fld id="{19E9E886-6F55-450D-A77B-212FA97E9897}" type="datetimeFigureOut">
               <a:rPr lang="en-US" smtClean="0"/>
-              <a:t>9/20/20</a:t>
+              <a:t>2/13/22</a:t>
             </a:fld>
             <a:endParaRPr lang="en-US"/>
           </a:p>
@@ -2015,7 +2015,7 @@
           <a:p>
             <a:fld id="{19E9E886-6F55-450D-A77B-212FA97E9897}" type="datetimeFigureOut">
               <a:rPr lang="en-US" smtClean="0"/>
-              <a:t>9/20/20</a:t>
+              <a:t>2/13/22</a:t>
             </a:fld>
             <a:endParaRPr lang="en-US"/>
           </a:p>
@@ -2290,7 +2290,7 @@
           <a:p>
             <a:fld id="{19E9E886-6F55-450D-A77B-212FA97E9897}" type="datetimeFigureOut">
               <a:rPr lang="en-US" smtClean="0"/>
-              <a:t>9/20/20</a:t>
+              <a:t>2/13/22</a:t>
             </a:fld>
             <a:endParaRPr lang="en-US"/>
           </a:p>
@@ -2542,7 +2542,7 @@
           <a:p>
             <a:fld id="{19E9E886-6F55-450D-A77B-212FA97E9897}" type="datetimeFigureOut">
               <a:rPr lang="en-US" smtClean="0"/>
-              <a:t>9/20/20</a:t>
+              <a:t>2/13/22</a:t>
             </a:fld>
             <a:endParaRPr lang="en-US"/>
           </a:p>
@@ -2753,7 +2753,7 @@
           <a:p>
             <a:fld id="{19E9E886-6F55-450D-A77B-212FA97E9897}" type="datetimeFigureOut">
               <a:rPr lang="en-US" smtClean="0"/>
-              <a:t>9/20/20</a:t>
+              <a:t>2/13/22</a:t>
             </a:fld>
             <a:endParaRPr lang="en-US"/>
           </a:p>
@@ -7851,7 +7851,7 @@
             </a:r>
             <a:r>
               <a:rPr lang="en-US" dirty="0"/>
-              <a:t> &lt;&lt; “*”;</a:t>
+              <a:t> &lt;&lt; "*";</a:t>
             </a:r>
           </a:p>
           <a:p>
@@ -7861,7 +7861,7 @@
             </a:r>
             <a:r>
               <a:rPr lang="en-US" dirty="0"/>
-              <a:t> &lt;&lt; “ “;</a:t>
+              <a:t> &lt;&lt; " ";</a:t>
             </a:r>
           </a:p>
           <a:p>
@@ -20675,8 +20675,16 @@
               <a:buChar char="•"/>
             </a:pPr>
             <a:r>
+              <a:rPr lang="en-US" dirty="0"/>
+              <a:t>n</a:t>
+            </a:r>
+            <a:r>
+              <a:rPr lang="en-US"/>
+              <a:t>um</a:t>
+            </a:r>
+            <a:r>
               <a:rPr lang="en-US" dirty="0" err="1"/>
-              <a:t>Num_prec_spaces</a:t>
+              <a:t>_prec_spaces</a:t>
             </a:r>
             <a:r>
               <a:rPr lang="en-US" dirty="0"/>
